--- a/QDA_final.pptx
+++ b/QDA_final.pptx
@@ -222,7 +222,7 @@
           <a:p>
             <a:fld id="{03931F69-E84A-4056-B0B0-3E766E88084F}" type="datetimeFigureOut">
               <a:rPr lang="zh-TW" altLang="en-US" smtClean="0"/>
-              <a:t>2023/12/26</a:t>
+              <a:t>2023/12/29</a:t>
             </a:fld>
             <a:endParaRPr lang="zh-TW" altLang="en-US"/>
           </a:p>
@@ -569,6 +569,90 @@
     <p:extLst>
       <p:ext uri="{BB962C8B-B14F-4D97-AF65-F5344CB8AC3E}">
         <p14:creationId xmlns:p14="http://schemas.microsoft.com/office/powerpoint/2010/main" val="851391542"/>
+      </p:ext>
+    </p:extLst>
+  </p:cSld>
+  <p:clrMapOvr>
+    <a:masterClrMapping/>
+  </p:clrMapOvr>
+</p:notes>
+</file>
+
+<file path=ppt/notesSlides/notesSlide2.xml><?xml version="1.0" encoding="utf-8"?>
+<p:notes xmlns:a="http://schemas.openxmlformats.org/drawingml/2006/main" xmlns:r="http://schemas.openxmlformats.org/officeDocument/2006/relationships" xmlns:p="http://schemas.openxmlformats.org/presentationml/2006/main">
+  <p:cSld>
+    <p:spTree>
+      <p:nvGrpSpPr>
+        <p:cNvPr id="1" name=""/>
+        <p:cNvGrpSpPr/>
+        <p:nvPr/>
+      </p:nvGrpSpPr>
+      <p:grpSpPr>
+        <a:xfrm>
+          <a:off x="0" y="0"/>
+          <a:ext cx="0" cy="0"/>
+          <a:chOff x="0" y="0"/>
+          <a:chExt cx="0" cy="0"/>
+        </a:xfrm>
+      </p:grpSpPr>
+      <p:sp>
+        <p:nvSpPr>
+          <p:cNvPr id="2" name="投影片影像版面配置區 1"/>
+          <p:cNvSpPr>
+            <a:spLocks noGrp="1" noRot="1" noChangeAspect="1"/>
+          </p:cNvSpPr>
+          <p:nvPr>
+            <p:ph type="sldImg"/>
+          </p:nvPr>
+        </p:nvSpPr>
+        <p:spPr/>
+      </p:sp>
+      <p:sp>
+        <p:nvSpPr>
+          <p:cNvPr id="3" name="備忘稿版面配置區 2"/>
+          <p:cNvSpPr>
+            <a:spLocks noGrp="1"/>
+          </p:cNvSpPr>
+          <p:nvPr>
+            <p:ph type="body" idx="1"/>
+          </p:nvPr>
+        </p:nvSpPr>
+        <p:spPr/>
+        <p:txBody>
+          <a:bodyPr/>
+          <a:lstStyle/>
+          <a:p>
+            <a:endParaRPr kumimoji="1" lang="zh-TW" altLang="en-US" dirty="0"/>
+          </a:p>
+        </p:txBody>
+      </p:sp>
+      <p:sp>
+        <p:nvSpPr>
+          <p:cNvPr id="4" name="投影片編號版面配置區 3"/>
+          <p:cNvSpPr>
+            <a:spLocks noGrp="1"/>
+          </p:cNvSpPr>
+          <p:nvPr>
+            <p:ph type="sldNum" sz="quarter" idx="5"/>
+          </p:nvPr>
+        </p:nvSpPr>
+        <p:spPr/>
+        <p:txBody>
+          <a:bodyPr/>
+          <a:lstStyle/>
+          <a:p>
+            <a:fld id="{FC7D5F49-FF8A-45D5-994C-BD5F7843F863}" type="slidenum">
+              <a:rPr lang="zh-TW" altLang="en-US" smtClean="0"/>
+              <a:t>12</a:t>
+            </a:fld>
+            <a:endParaRPr lang="zh-TW" altLang="en-US"/>
+          </a:p>
+        </p:txBody>
+      </p:sp>
+    </p:spTree>
+    <p:extLst>
+      <p:ext uri="{BB962C8B-B14F-4D97-AF65-F5344CB8AC3E}">
+        <p14:creationId xmlns:p14="http://schemas.microsoft.com/office/powerpoint/2010/main" val="920996745"/>
       </p:ext>
     </p:extLst>
   </p:cSld>
@@ -8319,7 +8403,7 @@
           <a:p>
             <a:r>
               <a:rPr kumimoji="1" lang="en" altLang="zh-TW" sz="1050" dirty="0">
-                <a:hlinkClick r:id="rId2"/>
+                <a:hlinkClick r:id="rId3"/>
               </a:rPr>
               <a:t>https://reversiblebenchmarks.github.io/definitions.html</a:t>
             </a:r>
@@ -10326,6 +10410,354 @@
           </a:prstGeom>
         </p:spPr>
       </p:pic>
+      <p:sp>
+        <p:nvSpPr>
+          <p:cNvPr id="5" name="橢圓 4">
+            <a:extLst>
+              <a:ext uri="{FF2B5EF4-FFF2-40B4-BE49-F238E27FC236}">
+                <a16:creationId xmlns:a16="http://schemas.microsoft.com/office/drawing/2014/main" id="{0A9ACC48-AA70-A9E2-BF50-754BA2DF0252}"/>
+              </a:ext>
+            </a:extLst>
+          </p:cNvPr>
+          <p:cNvSpPr/>
+          <p:nvPr/>
+        </p:nvSpPr>
+        <p:spPr>
+          <a:xfrm>
+            <a:off x="1777716" y="3933453"/>
+            <a:ext cx="97059" cy="102167"/>
+          </a:xfrm>
+          <a:prstGeom prst="ellipse">
+            <a:avLst/>
+          </a:prstGeom>
+          <a:solidFill>
+            <a:srgbClr val="000000"/>
+          </a:solidFill>
+          <a:ln>
+            <a:solidFill>
+              <a:schemeClr val="tx1"/>
+            </a:solidFill>
+          </a:ln>
+        </p:spPr>
+        <p:style>
+          <a:lnRef idx="2">
+            <a:schemeClr val="accent1">
+              <a:shade val="15000"/>
+            </a:schemeClr>
+          </a:lnRef>
+          <a:fillRef idx="1">
+            <a:schemeClr val="accent1"/>
+          </a:fillRef>
+          <a:effectRef idx="0">
+            <a:schemeClr val="accent1"/>
+          </a:effectRef>
+          <a:fontRef idx="minor">
+            <a:schemeClr val="lt1"/>
+          </a:fontRef>
+        </p:style>
+        <p:txBody>
+          <a:bodyPr rtlCol="0" anchor="ctr"/>
+          <a:lstStyle/>
+          <a:p>
+            <a:pPr algn="ctr"/>
+            <a:endParaRPr kumimoji="1" lang="zh-TW" altLang="en-US">
+              <a:solidFill>
+                <a:sysClr val="windowText" lastClr="000000"/>
+              </a:solidFill>
+            </a:endParaRPr>
+          </a:p>
+        </p:txBody>
+      </p:sp>
+      <p:sp>
+        <p:nvSpPr>
+          <p:cNvPr id="8" name="橢圓 7">
+            <a:extLst>
+              <a:ext uri="{FF2B5EF4-FFF2-40B4-BE49-F238E27FC236}">
+                <a16:creationId xmlns:a16="http://schemas.microsoft.com/office/drawing/2014/main" id="{DC39E3B8-FF70-6701-318E-23673BF6912F}"/>
+              </a:ext>
+            </a:extLst>
+          </p:cNvPr>
+          <p:cNvSpPr/>
+          <p:nvPr/>
+        </p:nvSpPr>
+        <p:spPr>
+          <a:xfrm>
+            <a:off x="2176240" y="3933452"/>
+            <a:ext cx="97059" cy="102167"/>
+          </a:xfrm>
+          <a:prstGeom prst="ellipse">
+            <a:avLst/>
+          </a:prstGeom>
+          <a:solidFill>
+            <a:srgbClr val="000000"/>
+          </a:solidFill>
+          <a:ln>
+            <a:solidFill>
+              <a:schemeClr val="tx1"/>
+            </a:solidFill>
+          </a:ln>
+        </p:spPr>
+        <p:style>
+          <a:lnRef idx="2">
+            <a:schemeClr val="accent1">
+              <a:shade val="15000"/>
+            </a:schemeClr>
+          </a:lnRef>
+          <a:fillRef idx="1">
+            <a:schemeClr val="accent1"/>
+          </a:fillRef>
+          <a:effectRef idx="0">
+            <a:schemeClr val="accent1"/>
+          </a:effectRef>
+          <a:fontRef idx="minor">
+            <a:schemeClr val="lt1"/>
+          </a:fontRef>
+        </p:style>
+        <p:txBody>
+          <a:bodyPr rtlCol="0" anchor="ctr"/>
+          <a:lstStyle/>
+          <a:p>
+            <a:pPr algn="ctr"/>
+            <a:endParaRPr kumimoji="1" lang="zh-TW" altLang="en-US">
+              <a:solidFill>
+                <a:sysClr val="windowText" lastClr="000000"/>
+              </a:solidFill>
+            </a:endParaRPr>
+          </a:p>
+        </p:txBody>
+      </p:sp>
+      <p:sp>
+        <p:nvSpPr>
+          <p:cNvPr id="9" name="橢圓 8">
+            <a:extLst>
+              <a:ext uri="{FF2B5EF4-FFF2-40B4-BE49-F238E27FC236}">
+                <a16:creationId xmlns:a16="http://schemas.microsoft.com/office/drawing/2014/main" id="{7D98BAA4-5CB1-25BD-3AD4-37D55361787F}"/>
+              </a:ext>
+            </a:extLst>
+          </p:cNvPr>
+          <p:cNvSpPr/>
+          <p:nvPr/>
+        </p:nvSpPr>
+        <p:spPr>
+          <a:xfrm>
+            <a:off x="2609566" y="3933451"/>
+            <a:ext cx="97059" cy="102167"/>
+          </a:xfrm>
+          <a:prstGeom prst="ellipse">
+            <a:avLst/>
+          </a:prstGeom>
+          <a:solidFill>
+            <a:srgbClr val="000000"/>
+          </a:solidFill>
+          <a:ln>
+            <a:solidFill>
+              <a:schemeClr val="tx1"/>
+            </a:solidFill>
+          </a:ln>
+        </p:spPr>
+        <p:style>
+          <a:lnRef idx="2">
+            <a:schemeClr val="accent1">
+              <a:shade val="15000"/>
+            </a:schemeClr>
+          </a:lnRef>
+          <a:fillRef idx="1">
+            <a:schemeClr val="accent1"/>
+          </a:fillRef>
+          <a:effectRef idx="0">
+            <a:schemeClr val="accent1"/>
+          </a:effectRef>
+          <a:fontRef idx="minor">
+            <a:schemeClr val="lt1"/>
+          </a:fontRef>
+        </p:style>
+        <p:txBody>
+          <a:bodyPr rtlCol="0" anchor="ctr"/>
+          <a:lstStyle/>
+          <a:p>
+            <a:pPr algn="ctr"/>
+            <a:endParaRPr kumimoji="1" lang="zh-TW" altLang="en-US">
+              <a:solidFill>
+                <a:sysClr val="windowText" lastClr="000000"/>
+              </a:solidFill>
+            </a:endParaRPr>
+          </a:p>
+        </p:txBody>
+      </p:sp>
+      <p:sp>
+        <p:nvSpPr>
+          <p:cNvPr id="10" name="橢圓 9">
+            <a:extLst>
+              <a:ext uri="{FF2B5EF4-FFF2-40B4-BE49-F238E27FC236}">
+                <a16:creationId xmlns:a16="http://schemas.microsoft.com/office/drawing/2014/main" id="{804B77E9-D860-D2C5-D7DA-83B37A56FFE3}"/>
+              </a:ext>
+            </a:extLst>
+          </p:cNvPr>
+          <p:cNvSpPr/>
+          <p:nvPr/>
+        </p:nvSpPr>
+        <p:spPr>
+          <a:xfrm>
+            <a:off x="3023965" y="4272983"/>
+            <a:ext cx="97059" cy="102167"/>
+          </a:xfrm>
+          <a:prstGeom prst="ellipse">
+            <a:avLst/>
+          </a:prstGeom>
+          <a:solidFill>
+            <a:srgbClr val="000000"/>
+          </a:solidFill>
+          <a:ln>
+            <a:solidFill>
+              <a:schemeClr val="tx1"/>
+            </a:solidFill>
+          </a:ln>
+        </p:spPr>
+        <p:style>
+          <a:lnRef idx="2">
+            <a:schemeClr val="accent1">
+              <a:shade val="15000"/>
+            </a:schemeClr>
+          </a:lnRef>
+          <a:fillRef idx="1">
+            <a:schemeClr val="accent1"/>
+          </a:fillRef>
+          <a:effectRef idx="0">
+            <a:schemeClr val="accent1"/>
+          </a:effectRef>
+          <a:fontRef idx="minor">
+            <a:schemeClr val="lt1"/>
+          </a:fontRef>
+        </p:style>
+        <p:txBody>
+          <a:bodyPr rtlCol="0" anchor="ctr"/>
+          <a:lstStyle/>
+          <a:p>
+            <a:pPr algn="ctr"/>
+            <a:endParaRPr kumimoji="1" lang="zh-TW" altLang="en-US">
+              <a:solidFill>
+                <a:sysClr val="windowText" lastClr="000000"/>
+              </a:solidFill>
+            </a:endParaRPr>
+          </a:p>
+        </p:txBody>
+      </p:sp>
+      <p:sp>
+        <p:nvSpPr>
+          <p:cNvPr id="11" name="橢圓 10">
+            <a:extLst>
+              <a:ext uri="{FF2B5EF4-FFF2-40B4-BE49-F238E27FC236}">
+                <a16:creationId xmlns:a16="http://schemas.microsoft.com/office/drawing/2014/main" id="{6E19708B-D4DA-124B-A102-0B8923B387EB}"/>
+              </a:ext>
+            </a:extLst>
+          </p:cNvPr>
+          <p:cNvSpPr/>
+          <p:nvPr/>
+        </p:nvSpPr>
+        <p:spPr>
+          <a:xfrm>
+            <a:off x="1768253" y="4272983"/>
+            <a:ext cx="97059" cy="102167"/>
+          </a:xfrm>
+          <a:prstGeom prst="ellipse">
+            <a:avLst/>
+          </a:prstGeom>
+          <a:solidFill>
+            <a:srgbClr val="000000"/>
+          </a:solidFill>
+          <a:ln>
+            <a:solidFill>
+              <a:schemeClr val="tx1"/>
+            </a:solidFill>
+          </a:ln>
+        </p:spPr>
+        <p:style>
+          <a:lnRef idx="2">
+            <a:schemeClr val="accent1">
+              <a:shade val="15000"/>
+            </a:schemeClr>
+          </a:lnRef>
+          <a:fillRef idx="1">
+            <a:schemeClr val="accent1"/>
+          </a:fillRef>
+          <a:effectRef idx="0">
+            <a:schemeClr val="accent1"/>
+          </a:effectRef>
+          <a:fontRef idx="minor">
+            <a:schemeClr val="lt1"/>
+          </a:fontRef>
+        </p:style>
+        <p:txBody>
+          <a:bodyPr rtlCol="0" anchor="ctr"/>
+          <a:lstStyle/>
+          <a:p>
+            <a:pPr algn="ctr"/>
+            <a:endParaRPr kumimoji="1" lang="zh-TW" altLang="en-US">
+              <a:solidFill>
+                <a:sysClr val="windowText" lastClr="000000"/>
+              </a:solidFill>
+            </a:endParaRPr>
+          </a:p>
+        </p:txBody>
+      </p:sp>
+      <p:sp>
+        <p:nvSpPr>
+          <p:cNvPr id="12" name="橢圓 11">
+            <a:extLst>
+              <a:ext uri="{FF2B5EF4-FFF2-40B4-BE49-F238E27FC236}">
+                <a16:creationId xmlns:a16="http://schemas.microsoft.com/office/drawing/2014/main" id="{86540431-F916-7128-9DC0-FBAD94903725}"/>
+              </a:ext>
+            </a:extLst>
+          </p:cNvPr>
+          <p:cNvSpPr/>
+          <p:nvPr/>
+        </p:nvSpPr>
+        <p:spPr>
+          <a:xfrm>
+            <a:off x="2198465" y="4976598"/>
+            <a:ext cx="97059" cy="102167"/>
+          </a:xfrm>
+          <a:prstGeom prst="ellipse">
+            <a:avLst/>
+          </a:prstGeom>
+          <a:solidFill>
+            <a:srgbClr val="000000"/>
+          </a:solidFill>
+          <a:ln>
+            <a:solidFill>
+              <a:schemeClr val="tx1"/>
+            </a:solidFill>
+          </a:ln>
+        </p:spPr>
+        <p:style>
+          <a:lnRef idx="2">
+            <a:schemeClr val="accent1">
+              <a:shade val="15000"/>
+            </a:schemeClr>
+          </a:lnRef>
+          <a:fillRef idx="1">
+            <a:schemeClr val="accent1"/>
+          </a:fillRef>
+          <a:effectRef idx="0">
+            <a:schemeClr val="accent1"/>
+          </a:effectRef>
+          <a:fontRef idx="minor">
+            <a:schemeClr val="lt1"/>
+          </a:fontRef>
+        </p:style>
+        <p:txBody>
+          <a:bodyPr rtlCol="0" anchor="ctr"/>
+          <a:lstStyle/>
+          <a:p>
+            <a:pPr algn="ctr"/>
+            <a:endParaRPr kumimoji="1" lang="zh-TW" altLang="en-US">
+              <a:solidFill>
+                <a:sysClr val="windowText" lastClr="000000"/>
+              </a:solidFill>
+            </a:endParaRPr>
+          </a:p>
+        </p:txBody>
+      </p:sp>
     </p:spTree>
     <p:extLst>
       <p:ext uri="{BB962C8B-B14F-4D97-AF65-F5344CB8AC3E}">
